--- a/P4_02_presentation.pptx
+++ b/P4_02_presentation.pptx
@@ -42,13 +42,13 @@
   <p:notesSz cx="6858000" cy="9144000"/>
   <p:embeddedFontLst>
     <p:embeddedFont>
-      <p:font typeface="Maven Pro" panose="020B0604020202020204" charset="0"/>
+      <p:font typeface="Share Tech" panose="020B0604020202020204" charset="0"/>
       <p:regular r:id="rId30"/>
-      <p:bold r:id="rId31"/>
     </p:embeddedFont>
     <p:embeddedFont>
-      <p:font typeface="Share Tech" panose="020B0604020202020204" charset="0"/>
-      <p:regular r:id="rId32"/>
+      <p:font typeface="Maven Pro" panose="020B0604020202020204" charset="0"/>
+      <p:regular r:id="rId31"/>
+      <p:bold r:id="rId32"/>
     </p:embeddedFont>
   </p:embeddedFontLst>
   <p:defaultTextStyle>
@@ -373,7 +373,7 @@
           <a:p>
             <a:fld id="{8797E6BD-F3B3-43F5-A96C-56A13815DED8}" type="datetimeFigureOut">
               <a:rPr lang="fr-FR" smtClean="0"/>
-              <a:t>03/02/2022</a:t>
+              <a:t>09/02/2022</a:t>
             </a:fld>
             <a:endParaRPr lang="fr-FR"/>
           </a:p>
@@ -10412,7 +10412,7 @@
             <a:pPr marL="0" indent="0"/>
             <a:r>
               <a:rPr lang="en-US" sz="1400" dirty="0" smtClean="0"/>
-              <a:t>03/02/2021</a:t>
+              <a:t>09/02/2021</a:t>
             </a:r>
             <a:endParaRPr lang="en-US" sz="1400" dirty="0"/>
           </a:p>
@@ -13383,7 +13383,6 @@
               <a:rPr lang="fr-FR" sz="1100" dirty="0" smtClean="0"/>
               <a:t>- On peut déjà émettre une hypothèse comme quoi ces variables ont un impact sur le fait qu’un client remboursera son prêt ou non.</a:t>
             </a:r>
-            <a:endParaRPr lang="fr-FR" sz="1100" dirty="0" smtClean="0"/>
           </a:p>
         </p:txBody>
       </p:sp>
@@ -17364,11 +17363,6 @@
               </a:rPr>
               <a:t>que l’on estime être les plus pertinentes, afin de réduire la taille de notre jeu de données, qui est actuellement composé de 797 features, ce qui est beaucoup trop important pour entraîner nos modèles.</a:t>
             </a:r>
-            <a:endParaRPr lang="fr-FR" sz="1100" dirty="0" smtClean="0">
-              <a:solidFill>
-                <a:schemeClr val="bg1"/>
-              </a:solidFill>
-            </a:endParaRPr>
           </a:p>
           <a:p>
             <a:pPr marL="114300" indent="0">
@@ -19942,7 +19936,27 @@
                   </a:schemeClr>
                 </a:solidFill>
               </a:rPr>
-              <a:t>0.9 * FN + 0.1 * FN) / </a:t>
+              <a:t>0.9 * FN + 0.1 * </a:t>
+            </a:r>
+            <a:r>
+              <a:rPr lang="fr-FR" sz="1050" b="1" dirty="0" smtClean="0">
+                <a:solidFill>
+                  <a:schemeClr val="accent3">
+                    <a:lumMod val="75000"/>
+                  </a:schemeClr>
+                </a:solidFill>
+              </a:rPr>
+              <a:t>FP) </a:t>
+            </a:r>
+            <a:r>
+              <a:rPr lang="fr-FR" sz="1050" b="1" dirty="0">
+                <a:solidFill>
+                  <a:schemeClr val="accent3">
+                    <a:lumMod val="75000"/>
+                  </a:schemeClr>
+                </a:solidFill>
+              </a:rPr>
+              <a:t>/ </a:t>
             </a:r>
             <a:r>
               <a:rPr lang="fr-FR" sz="1050" b="1" dirty="0" smtClean="0">
@@ -27697,7 +27711,6 @@
               <a:rPr lang="fr-FR" sz="1000" dirty="0" smtClean="0"/>
               <a:t>Des informations sur le comportement des emprunteurs (si il a fait défaut ou pas)</a:t>
             </a:r>
-            <a:endParaRPr lang="fr-FR" sz="1000" dirty="0" smtClean="0"/>
           </a:p>
           <a:p>
             <a:endParaRPr lang="fr-FR" sz="1100" dirty="0" smtClean="0"/>
@@ -27705,11 +27718,7 @@
           <a:p>
             <a:r>
               <a:rPr lang="fr-FR" sz="1100" dirty="0" smtClean="0"/>
-              <a:t>Il y plusieurs fichiers CSV, et voici un diagramme expliquant comment ils sont liés entr</a:t>
-            </a:r>
-            <a:r>
-              <a:rPr lang="fr-FR" sz="1100" dirty="0" smtClean="0"/>
-              <a:t>e eux :</a:t>
+              <a:t>Il y plusieurs fichiers CSV, et voici un diagramme expliquant comment ils sont liés entre eux :</a:t>
             </a:r>
           </a:p>
           <a:p>
@@ -28529,7 +28538,15 @@
             </a:pPr>
             <a:r>
               <a:rPr lang="fr-FR" sz="1000" dirty="0" smtClean="0"/>
-              <a:t>C’est la valeur que l’on veut prédire avec notre modèle de Machine Learning, On va pouvoir se baser sur ce fichier pour l’entraîner.</a:t>
+              <a:t>C’est la valeur que l’on veut prédire avec notre modèle de Machine Learning, </a:t>
+            </a:r>
+            <a:r>
+              <a:rPr lang="fr-FR" sz="1000" dirty="0" smtClean="0"/>
+              <a:t>on </a:t>
+            </a:r>
+            <a:r>
+              <a:rPr lang="fr-FR" sz="1000" dirty="0" smtClean="0"/>
+              <a:t>va pouvoir se baser sur ce fichier pour l’entraîner.</a:t>
             </a:r>
           </a:p>
           <a:p>
@@ -29794,7 +29811,6 @@
               <a:rPr lang="fr-FR" sz="1100" dirty="0"/>
               <a:t> </a:t>
             </a:r>
-            <a:endParaRPr lang="fr-FR" sz="1100" dirty="0"/>
           </a:p>
           <a:p>
             <a:pPr marL="114300" indent="0">
